--- a/pptinfos ING2.pptx
+++ b/pptinfos ING2.pptx
@@ -7,16 +7,17 @@
   <p:sldIdLst>
     <p:sldId id="256" r:id="rId2"/>
     <p:sldId id="257" r:id="rId3"/>
-    <p:sldId id="269" r:id="rId4"/>
-    <p:sldId id="267" r:id="rId5"/>
-    <p:sldId id="268" r:id="rId6"/>
-    <p:sldId id="259" r:id="rId7"/>
-    <p:sldId id="260" r:id="rId8"/>
-    <p:sldId id="261" r:id="rId9"/>
-    <p:sldId id="262" r:id="rId10"/>
-    <p:sldId id="263" r:id="rId11"/>
-    <p:sldId id="264" r:id="rId12"/>
-    <p:sldId id="266" r:id="rId13"/>
+    <p:sldId id="270" r:id="rId4"/>
+    <p:sldId id="269" r:id="rId5"/>
+    <p:sldId id="267" r:id="rId6"/>
+    <p:sldId id="268" r:id="rId7"/>
+    <p:sldId id="259" r:id="rId8"/>
+    <p:sldId id="260" r:id="rId9"/>
+    <p:sldId id="261" r:id="rId10"/>
+    <p:sldId id="262" r:id="rId11"/>
+    <p:sldId id="263" r:id="rId12"/>
+    <p:sldId id="264" r:id="rId13"/>
+    <p:sldId id="266" r:id="rId14"/>
   </p:sldIdLst>
   <p:sldSz cx="12192000" cy="6858000"/>
   <p:notesSz cx="6858000" cy="9144000"/>
@@ -121,6 +122,10 @@
     </p:ext>
   </p:extLst>
 </p:presentation>
+</file>
+
+<file path=ppt/revisionInfo.xml><?xml version="1.0" encoding="utf-8"?>
+<p1510:revInfo xmlns:a="http://schemas.openxmlformats.org/drawingml/2006/main" xmlns:r="http://schemas.openxmlformats.org/officeDocument/2006/relationships" xmlns:p1510="http://schemas.microsoft.com/office/powerpoint/2015/10/main"/>
 </file>
 
 <file path=ppt/slideLayouts/slideLayout1.xml><?xml version="1.0" encoding="utf-8"?>
@@ -6195,7 +6200,7 @@
           <p:cNvPr id="2" name="Titre 1">
             <a:extLst>
               <a:ext uri="{FF2B5EF4-FFF2-40B4-BE49-F238E27FC236}">
-                <a16:creationId xmlns:a16="http://schemas.microsoft.com/office/drawing/2014/main" id="{55879DBA-C310-421D-83A9-D2E8F63735FC}"/>
+                <a16:creationId xmlns:a16="http://schemas.microsoft.com/office/drawing/2014/main" id="{454B148B-AD98-45CC-83E5-C61C6BF55F8B}"/>
               </a:ext>
             </a:extLst>
           </p:cNvPr>
@@ -6208,8 +6213,8 @@
         </p:nvSpPr>
         <p:spPr>
           <a:xfrm>
-            <a:off x="1103312" y="477656"/>
-            <a:ext cx="9404723" cy="798566"/>
+            <a:off x="645130" y="0"/>
+            <a:ext cx="9404723" cy="678250"/>
           </a:xfrm>
         </p:spPr>
         <p:txBody>
@@ -6218,16 +6223,12 @@
           <a:p>
             <a:pPr algn="ctr"/>
             <a:r>
-              <a:rPr lang="fr-FR" sz="4800" dirty="0" err="1">
+              <a:rPr lang="fr-FR" sz="4000" dirty="0">
                 <a:latin typeface="Times New Roman" panose="02020603050405020304" pitchFamily="18" charset="0"/>
                 <a:cs typeface="Times New Roman" panose="02020603050405020304" pitchFamily="18" charset="0"/>
               </a:rPr>
-              <a:t>Doxygen</a:t>
-            </a:r>
-            <a:endParaRPr lang="fr-FR" sz="4800" dirty="0">
-              <a:latin typeface="Times New Roman" panose="02020603050405020304" pitchFamily="18" charset="0"/>
-              <a:cs typeface="Times New Roman" panose="02020603050405020304" pitchFamily="18" charset="0"/>
-            </a:endParaRPr>
+              <a:t>GitHub</a:t>
+            </a:r>
           </a:p>
         </p:txBody>
       </p:sp>
@@ -6236,7 +6237,7 @@
           <p:cNvPr id="3" name="Espace réservé du contenu 2">
             <a:extLst>
               <a:ext uri="{FF2B5EF4-FFF2-40B4-BE49-F238E27FC236}">
-                <a16:creationId xmlns:a16="http://schemas.microsoft.com/office/drawing/2014/main" id="{D8688DDA-C32E-4703-8CB9-657F1328B684}"/>
+                <a16:creationId xmlns:a16="http://schemas.microsoft.com/office/drawing/2014/main" id="{877F6EFA-372D-4565-851A-E6B3679547E9}"/>
               </a:ext>
             </a:extLst>
           </p:cNvPr>
@@ -6247,19 +6248,57 @@
             <p:ph idx="1"/>
           </p:nvPr>
         </p:nvSpPr>
-        <p:spPr/>
+        <p:spPr>
+          <a:xfrm>
+            <a:off x="1103313" y="678250"/>
+            <a:ext cx="8946541" cy="4195481"/>
+          </a:xfrm>
+        </p:spPr>
         <p:txBody>
           <a:bodyPr/>
           <a:lstStyle/>
           <a:p>
-            <a:endParaRPr lang="fr-FR"/>
-          </a:p>
-        </p:txBody>
-      </p:sp>
+            <a:r>
+              <a:rPr lang="fr-FR" dirty="0"/>
+              <a:t>Branche Alexis </a:t>
+            </a:r>
+          </a:p>
+        </p:txBody>
+      </p:sp>
+      <p:pic>
+        <p:nvPicPr>
+          <p:cNvPr id="5" name="Image 4">
+            <a:extLst>
+              <a:ext uri="{FF2B5EF4-FFF2-40B4-BE49-F238E27FC236}">
+                <a16:creationId xmlns:a16="http://schemas.microsoft.com/office/drawing/2014/main" id="{7AD30393-908C-40F4-8DA9-97FBAF128790}"/>
+              </a:ext>
+            </a:extLst>
+          </p:cNvPr>
+          <p:cNvPicPr>
+            <a:picLocks noChangeAspect="1"/>
+          </p:cNvPicPr>
+          <p:nvPr/>
+        </p:nvPicPr>
+        <p:blipFill>
+          <a:blip r:embed="rId2"/>
+          <a:stretch>
+            <a:fillRect/>
+          </a:stretch>
+        </p:blipFill>
+        <p:spPr>
+          <a:xfrm>
+            <a:off x="1103313" y="1117600"/>
+            <a:ext cx="8720522" cy="5508171"/>
+          </a:xfrm>
+          <a:prstGeom prst="rect">
+            <a:avLst/>
+          </a:prstGeom>
+        </p:spPr>
+      </p:pic>
     </p:spTree>
     <p:extLst>
       <p:ext uri="{BB962C8B-B14F-4D97-AF65-F5344CB8AC3E}">
-        <p14:creationId xmlns:p14="http://schemas.microsoft.com/office/powerpoint/2010/main" val="3082416012"/>
+        <p14:creationId xmlns:p14="http://schemas.microsoft.com/office/powerpoint/2010/main" val="4067053808"/>
       </p:ext>
     </p:extLst>
   </p:cSld>
@@ -6291,6 +6330,117 @@
           <p:cNvPr id="2" name="Titre 1">
             <a:extLst>
               <a:ext uri="{FF2B5EF4-FFF2-40B4-BE49-F238E27FC236}">
+                <a16:creationId xmlns:a16="http://schemas.microsoft.com/office/drawing/2014/main" id="{55879DBA-C310-421D-83A9-D2E8F63735FC}"/>
+              </a:ext>
+            </a:extLst>
+          </p:cNvPr>
+          <p:cNvSpPr>
+            <a:spLocks noGrp="1"/>
+          </p:cNvSpPr>
+          <p:nvPr>
+            <p:ph type="title"/>
+          </p:nvPr>
+        </p:nvSpPr>
+        <p:spPr>
+          <a:xfrm>
+            <a:off x="1103312" y="477656"/>
+            <a:ext cx="9404723" cy="798566"/>
+          </a:xfrm>
+        </p:spPr>
+        <p:txBody>
+          <a:bodyPr/>
+          <a:lstStyle/>
+          <a:p>
+            <a:pPr algn="ctr"/>
+            <a:r>
+              <a:rPr lang="fr-FR" sz="4800" dirty="0" err="1">
+                <a:latin typeface="Times New Roman" panose="02020603050405020304" pitchFamily="18" charset="0"/>
+                <a:cs typeface="Times New Roman" panose="02020603050405020304" pitchFamily="18" charset="0"/>
+              </a:rPr>
+              <a:t>Doxygen</a:t>
+            </a:r>
+            <a:endParaRPr lang="fr-FR" sz="4800" dirty="0">
+              <a:latin typeface="Times New Roman" panose="02020603050405020304" pitchFamily="18" charset="0"/>
+              <a:cs typeface="Times New Roman" panose="02020603050405020304" pitchFamily="18" charset="0"/>
+            </a:endParaRPr>
+          </a:p>
+        </p:txBody>
+      </p:sp>
+      <p:sp>
+        <p:nvSpPr>
+          <p:cNvPr id="3" name="Espace réservé du contenu 2">
+            <a:extLst>
+              <a:ext uri="{FF2B5EF4-FFF2-40B4-BE49-F238E27FC236}">
+                <a16:creationId xmlns:a16="http://schemas.microsoft.com/office/drawing/2014/main" id="{D8688DDA-C32E-4703-8CB9-657F1328B684}"/>
+              </a:ext>
+            </a:extLst>
+          </p:cNvPr>
+          <p:cNvSpPr>
+            <a:spLocks noGrp="1"/>
+          </p:cNvSpPr>
+          <p:nvPr>
+            <p:ph idx="1"/>
+          </p:nvPr>
+        </p:nvSpPr>
+        <p:spPr/>
+        <p:txBody>
+          <a:bodyPr/>
+          <a:lstStyle/>
+          <a:p>
+            <a:pPr algn="ctr"/>
+            <a:r>
+              <a:rPr lang="fr-FR" sz="3600" dirty="0">
+                <a:latin typeface="Times New Roman" panose="02020603050405020304" pitchFamily="18" charset="0"/>
+                <a:cs typeface="Times New Roman" panose="02020603050405020304" pitchFamily="18" charset="0"/>
+                <a:hlinkClick r:id="rId2" action="ppaction://hlinkfile"/>
+              </a:rPr>
+              <a:t>file:///C:/Users/INVITE/Desktop/DoxDoc/html/index.html</a:t>
+            </a:r>
+            <a:endParaRPr lang="fr-FR" sz="3600" dirty="0">
+              <a:latin typeface="Times New Roman" panose="02020603050405020304" pitchFamily="18" charset="0"/>
+              <a:cs typeface="Times New Roman" panose="02020603050405020304" pitchFamily="18" charset="0"/>
+            </a:endParaRPr>
+          </a:p>
+          <a:p>
+            <a:endParaRPr lang="fr-FR" dirty="0"/>
+          </a:p>
+        </p:txBody>
+      </p:sp>
+    </p:spTree>
+    <p:extLst>
+      <p:ext uri="{BB962C8B-B14F-4D97-AF65-F5344CB8AC3E}">
+        <p14:creationId xmlns:p14="http://schemas.microsoft.com/office/powerpoint/2010/main" val="3082416012"/>
+      </p:ext>
+    </p:extLst>
+  </p:cSld>
+  <p:clrMapOvr>
+    <a:masterClrMapping/>
+  </p:clrMapOvr>
+</p:sld>
+</file>
+
+<file path=ppt/slides/slide12.xml><?xml version="1.0" encoding="utf-8"?>
+<p:sld xmlns:a="http://schemas.openxmlformats.org/drawingml/2006/main" xmlns:r="http://schemas.openxmlformats.org/officeDocument/2006/relationships" xmlns:p="http://schemas.openxmlformats.org/presentationml/2006/main">
+  <p:cSld>
+    <p:spTree>
+      <p:nvGrpSpPr>
+        <p:cNvPr id="1" name=""/>
+        <p:cNvGrpSpPr/>
+        <p:nvPr/>
+      </p:nvGrpSpPr>
+      <p:grpSpPr>
+        <a:xfrm>
+          <a:off x="0" y="0"/>
+          <a:ext cx="0" cy="0"/>
+          <a:chOff x="0" y="0"/>
+          <a:chExt cx="0" cy="0"/>
+        </a:xfrm>
+      </p:grpSpPr>
+      <p:sp>
+        <p:nvSpPr>
+          <p:cNvPr id="2" name="Titre 1">
+            <a:extLst>
+              <a:ext uri="{FF2B5EF4-FFF2-40B4-BE49-F238E27FC236}">
                 <a16:creationId xmlns:a16="http://schemas.microsoft.com/office/drawing/2014/main" id="{0C42337C-23AC-4356-8C31-49DF248BE0CD}"/>
               </a:ext>
             </a:extLst>
@@ -6470,7 +6620,7 @@
 </p:sld>
 </file>
 
-<file path=ppt/slides/slide12.xml><?xml version="1.0" encoding="utf-8"?>
+<file path=ppt/slides/slide13.xml><?xml version="1.0" encoding="utf-8"?>
 <p:sld xmlns:a="http://schemas.openxmlformats.org/drawingml/2006/main" xmlns:r="http://schemas.openxmlformats.org/officeDocument/2006/relationships" xmlns:p="http://schemas.openxmlformats.org/presentationml/2006/main">
   <p:cSld>
     <p:spTree>
@@ -6742,31 +6892,6 @@
 <file path=ppt/slides/slide3.xml><?xml version="1.0" encoding="utf-8"?>
 <p:sld xmlns:a="http://schemas.openxmlformats.org/drawingml/2006/main" xmlns:r="http://schemas.openxmlformats.org/officeDocument/2006/relationships" xmlns:p="http://schemas.openxmlformats.org/presentationml/2006/main">
   <p:cSld>
-    <p:bg>
-      <p:bgPr>
-        <a:blipFill rotWithShape="1">
-          <a:blip r:embed="rId2">
-            <a:duotone>
-              <a:schemeClr val="bg2">
-                <a:shade val="69000"/>
-                <a:hueMod val="108000"/>
-                <a:satMod val="164000"/>
-                <a:lumMod val="74000"/>
-              </a:schemeClr>
-              <a:schemeClr val="bg2">
-                <a:tint val="96000"/>
-                <a:hueMod val="88000"/>
-                <a:satMod val="140000"/>
-                <a:lumMod val="132000"/>
-              </a:schemeClr>
-            </a:duotone>
-            <a:extLst/>
-          </a:blip>
-          <a:stretch/>
-        </a:blipFill>
-        <a:effectLst/>
-      </p:bgPr>
-    </p:bg>
     <p:spTree>
       <p:nvGrpSpPr>
         <p:cNvPr id="1" name=""/>
@@ -6781,443 +6906,71 @@
           <a:chExt cx="0" cy="0"/>
         </a:xfrm>
       </p:grpSpPr>
-      <p:pic>
-        <p:nvPicPr>
-          <p:cNvPr id="10" name="Picture 9">
+      <p:sp>
+        <p:nvSpPr>
+          <p:cNvPr id="2" name="Titre 1">
             <a:extLst>
               <a:ext uri="{FF2B5EF4-FFF2-40B4-BE49-F238E27FC236}">
-                <a16:creationId xmlns:a16="http://schemas.microsoft.com/office/drawing/2014/main" id="{C9ECDD5C-152A-4CC7-8333-0F367B3A62EA}"/>
+                <a16:creationId xmlns:a16="http://schemas.microsoft.com/office/drawing/2014/main" id="{205FD704-08ED-4350-8D17-0555C747842B}"/>
               </a:ext>
             </a:extLst>
           </p:cNvPr>
-          <p:cNvPicPr>
-            <a:picLocks noGrp="1" noRot="1" noChangeAspect="1" noMove="1" noResize="1" noEditPoints="1" noAdjustHandles="1" noChangeArrowheads="1" noChangeShapeType="1" noCrop="1"/>
-          </p:cNvPicPr>
-          <p:nvPr>
-            <p:extLst>
-              <p:ext uri="{386F3935-93C4-4BCD-93E2-E3B085C9AB24}">
-                <p16:designElem xmlns:p16="http://schemas.microsoft.com/office/powerpoint/2015/main" val="1"/>
-              </p:ext>
-            </p:extLst>
-          </p:nvPr>
-        </p:nvPicPr>
-        <p:blipFill rotWithShape="1">
-          <a:blip r:embed="rId3">
-            <a:extLst>
-              <a:ext uri="{28A0092B-C50C-407E-A947-70E740481C1C}">
-                <a14:useLocalDpi xmlns:a14="http://schemas.microsoft.com/office/drawing/2010/main" val="0"/>
-              </a:ext>
-            </a:extLst>
-          </a:blip>
-          <a:srcRect l="3613"/>
-          <a:stretch/>
-        </p:blipFill>
-        <p:spPr>
-          <a:xfrm>
-            <a:off x="0" y="2669685"/>
-            <a:ext cx="4037012" cy="4188315"/>
-          </a:xfrm>
-          <a:prstGeom prst="rect">
-            <a:avLst/>
-          </a:prstGeom>
-        </p:spPr>
-      </p:pic>
-      <p:pic>
-        <p:nvPicPr>
-          <p:cNvPr id="12" name="Picture 11">
+          <p:cNvSpPr>
+            <a:spLocks noGrp="1"/>
+          </p:cNvSpPr>
+          <p:nvPr>
+            <p:ph type="title"/>
+          </p:nvPr>
+        </p:nvSpPr>
+        <p:spPr/>
+        <p:txBody>
+          <a:bodyPr/>
+          <a:lstStyle/>
+          <a:p>
+            <a:endParaRPr lang="fr-FR" dirty="0"/>
+          </a:p>
+        </p:txBody>
+      </p:sp>
+      <p:sp>
+        <p:nvSpPr>
+          <p:cNvPr id="3" name="Espace réservé du contenu 2">
             <a:extLst>
               <a:ext uri="{FF2B5EF4-FFF2-40B4-BE49-F238E27FC236}">
-                <a16:creationId xmlns:a16="http://schemas.microsoft.com/office/drawing/2014/main" id="{7F5C92A3-369B-43F3-BDCE-E560B1B0EC89}"/>
+                <a16:creationId xmlns:a16="http://schemas.microsoft.com/office/drawing/2014/main" id="{5A9F4F2E-FB2E-43AF-B51B-57D87DEB7340}"/>
               </a:ext>
             </a:extLst>
           </p:cNvPr>
-          <p:cNvPicPr>
-            <a:picLocks noGrp="1" noRot="1" noChangeAspect="1" noMove="1" noResize="1" noEditPoints="1" noAdjustHandles="1" noChangeArrowheads="1" noChangeShapeType="1" noCrop="1"/>
-          </p:cNvPicPr>
-          <p:nvPr>
-            <p:extLst>
-              <p:ext uri="{386F3935-93C4-4BCD-93E2-E3B085C9AB24}">
-                <p16:designElem xmlns:p16="http://schemas.microsoft.com/office/powerpoint/2015/main" val="1"/>
-              </p:ext>
-            </p:extLst>
-          </p:nvPr>
-        </p:nvPicPr>
-        <p:blipFill rotWithShape="1">
-          <a:blip r:embed="rId4">
-            <a:extLst>
-              <a:ext uri="{28A0092B-C50C-407E-A947-70E740481C1C}">
-                <a14:useLocalDpi xmlns:a14="http://schemas.microsoft.com/office/drawing/2010/main" val="0"/>
-              </a:ext>
-            </a:extLst>
-          </a:blip>
-          <a:srcRect l="35640"/>
-          <a:stretch/>
-        </p:blipFill>
-        <p:spPr>
-          <a:xfrm>
-            <a:off x="0" y="2892347"/>
-            <a:ext cx="1522412" cy="2365453"/>
-          </a:xfrm>
-          <a:prstGeom prst="rect">
-            <a:avLst/>
-          </a:prstGeom>
-        </p:spPr>
-      </p:pic>
-      <p:sp>
-        <p:nvSpPr>
-          <p:cNvPr id="14" name="Oval 13">
-            <a:extLst>
-              <a:ext uri="{FF2B5EF4-FFF2-40B4-BE49-F238E27FC236}">
-                <a16:creationId xmlns:a16="http://schemas.microsoft.com/office/drawing/2014/main" id="{AEBE9F1A-B38D-446E-83AE-14B17CE77FF2}"/>
-              </a:ext>
-            </a:extLst>
-          </p:cNvPr>
-          <p:cNvSpPr>
-            <a:spLocks noGrp="1" noRot="1" noChangeAspect="1" noMove="1" noResize="1" noEditPoints="1" noAdjustHandles="1" noChangeArrowheads="1" noChangeShapeType="1" noTextEdit="1"/>
-          </p:cNvSpPr>
-          <p:nvPr>
-            <p:extLst>
-              <p:ext uri="{386F3935-93C4-4BCD-93E2-E3B085C9AB24}">
-                <p16:designElem xmlns:p16="http://schemas.microsoft.com/office/powerpoint/2015/main" val="1"/>
-              </p:ext>
-            </p:extLst>
-          </p:nvPr>
-        </p:nvSpPr>
-        <p:spPr>
-          <a:xfrm>
-            <a:off x="8609012" y="1676400"/>
-            <a:ext cx="2819400" cy="2819400"/>
-          </a:xfrm>
-          <a:prstGeom prst="ellipse">
-            <a:avLst/>
-          </a:prstGeom>
-          <a:gradFill flip="none" rotWithShape="1">
-            <a:gsLst>
-              <a:gs pos="0">
-                <a:schemeClr val="bg2">
-                  <a:lumMod val="60000"/>
-                  <a:lumOff val="40000"/>
-                  <a:alpha val="7000"/>
-                </a:schemeClr>
-              </a:gs>
-              <a:gs pos="69000">
-                <a:schemeClr val="bg2">
-                  <a:lumMod val="60000"/>
-                  <a:lumOff val="40000"/>
-                  <a:alpha val="0"/>
-                </a:schemeClr>
-              </a:gs>
-              <a:gs pos="36000">
-                <a:schemeClr val="bg2">
-                  <a:lumMod val="60000"/>
-                  <a:lumOff val="40000"/>
-                  <a:alpha val="6000"/>
-                </a:schemeClr>
-              </a:gs>
-            </a:gsLst>
-            <a:path path="circle">
-              <a:fillToRect l="50000" t="50000" r="50000" b="50000"/>
-            </a:path>
-            <a:tileRect/>
-          </a:gradFill>
-          <a:ln>
-            <a:noFill/>
-          </a:ln>
-          <a:effectLst/>
-        </p:spPr>
-        <p:style>
-          <a:lnRef idx="1">
-            <a:schemeClr val="accent1"/>
-          </a:lnRef>
-          <a:fillRef idx="3">
-            <a:schemeClr val="accent1"/>
-          </a:fillRef>
-          <a:effectRef idx="2">
-            <a:schemeClr val="accent1"/>
-          </a:effectRef>
-          <a:fontRef idx="minor">
-            <a:schemeClr val="lt1"/>
-          </a:fontRef>
-        </p:style>
-      </p:sp>
-      <p:pic>
-        <p:nvPicPr>
-          <p:cNvPr id="16" name="Picture 15">
-            <a:extLst>
-              <a:ext uri="{FF2B5EF4-FFF2-40B4-BE49-F238E27FC236}">
-                <a16:creationId xmlns:a16="http://schemas.microsoft.com/office/drawing/2014/main" id="{915B5014-A7EC-4BA6-9C83-8840CF81DB28}"/>
-              </a:ext>
-            </a:extLst>
-          </p:cNvPr>
-          <p:cNvPicPr>
-            <a:picLocks noGrp="1" noRot="1" noChangeAspect="1" noMove="1" noResize="1" noEditPoints="1" noAdjustHandles="1" noChangeArrowheads="1" noChangeShapeType="1" noCrop="1"/>
-          </p:cNvPicPr>
-          <p:nvPr>
-            <p:extLst>
-              <p:ext uri="{386F3935-93C4-4BCD-93E2-E3B085C9AB24}">
-                <p16:designElem xmlns:p16="http://schemas.microsoft.com/office/powerpoint/2015/main" val="1"/>
-              </p:ext>
-            </p:extLst>
-          </p:nvPr>
-        </p:nvPicPr>
-        <p:blipFill rotWithShape="1">
-          <a:blip r:embed="rId5">
-            <a:extLst>
-              <a:ext uri="{28A0092B-C50C-407E-A947-70E740481C1C}">
-                <a14:useLocalDpi xmlns:a14="http://schemas.microsoft.com/office/drawing/2010/main" val="0"/>
-              </a:ext>
-            </a:extLst>
-          </a:blip>
-          <a:srcRect t="28813"/>
-          <a:stretch/>
-        </p:blipFill>
-        <p:spPr>
-          <a:xfrm>
-            <a:off x="7999412" y="0"/>
-            <a:ext cx="1603387" cy="1141407"/>
-          </a:xfrm>
-          <a:prstGeom prst="rect">
-            <a:avLst/>
-          </a:prstGeom>
-        </p:spPr>
-      </p:pic>
-      <p:pic>
-        <p:nvPicPr>
-          <p:cNvPr id="18" name="Picture 17">
-            <a:extLst>
-              <a:ext uri="{FF2B5EF4-FFF2-40B4-BE49-F238E27FC236}">
-                <a16:creationId xmlns:a16="http://schemas.microsoft.com/office/drawing/2014/main" id="{022C43AB-86D7-420D-8AD7-DC0A15FDD0AF}"/>
-              </a:ext>
-            </a:extLst>
-          </p:cNvPr>
-          <p:cNvPicPr>
-            <a:picLocks noGrp="1" noRot="1" noChangeAspect="1" noMove="1" noResize="1" noEditPoints="1" noAdjustHandles="1" noChangeArrowheads="1" noChangeShapeType="1" noCrop="1"/>
-          </p:cNvPicPr>
-          <p:nvPr>
-            <p:extLst>
-              <p:ext uri="{386F3935-93C4-4BCD-93E2-E3B085C9AB24}">
-                <p16:designElem xmlns:p16="http://schemas.microsoft.com/office/powerpoint/2015/main" val="1"/>
-              </p:ext>
-            </p:extLst>
-          </p:nvPr>
-        </p:nvPicPr>
-        <p:blipFill rotWithShape="1">
-          <a:blip r:embed="rId6">
-            <a:extLst>
-              <a:ext uri="{28A0092B-C50C-407E-A947-70E740481C1C}">
-                <a14:useLocalDpi xmlns:a14="http://schemas.microsoft.com/office/drawing/2010/main" val="0"/>
-              </a:ext>
-            </a:extLst>
-          </a:blip>
-          <a:srcRect b="23320"/>
-          <a:stretch/>
-        </p:blipFill>
-        <p:spPr>
-          <a:xfrm>
-            <a:off x="8605878" y="6096000"/>
-            <a:ext cx="993734" cy="762000"/>
-          </a:xfrm>
-          <a:prstGeom prst="rect">
-            <a:avLst/>
-          </a:prstGeom>
-        </p:spPr>
-      </p:pic>
-      <p:sp>
-        <p:nvSpPr>
-          <p:cNvPr id="20" name="Rectangle 19">
-            <a:extLst>
-              <a:ext uri="{FF2B5EF4-FFF2-40B4-BE49-F238E27FC236}">
-                <a16:creationId xmlns:a16="http://schemas.microsoft.com/office/drawing/2014/main" id="{5E3EB826-A471-488F-9E8A-D65528A3C0CA}"/>
-              </a:ext>
-            </a:extLst>
-          </p:cNvPr>
-          <p:cNvSpPr>
-            <a:spLocks noGrp="1" noRot="1" noChangeAspect="1" noMove="1" noResize="1" noEditPoints="1" noAdjustHandles="1" noChangeArrowheads="1" noChangeShapeType="1" noTextEdit="1"/>
-          </p:cNvSpPr>
-          <p:nvPr>
-            <p:extLst>
-              <p:ext uri="{386F3935-93C4-4BCD-93E2-E3B085C9AB24}">
-                <p16:designElem xmlns:p16="http://schemas.microsoft.com/office/powerpoint/2015/main" val="1"/>
-              </p:ext>
-            </p:extLst>
-          </p:nvPr>
-        </p:nvSpPr>
-        <p:spPr>
-          <a:xfrm>
-            <a:off x="10437812" y="0"/>
-            <a:ext cx="685800" cy="1143000"/>
-          </a:xfrm>
-          <a:prstGeom prst="rect">
-            <a:avLst/>
-          </a:prstGeom>
-          <a:solidFill>
-            <a:schemeClr val="accent1"/>
-          </a:solidFill>
-          <a:ln>
-            <a:noFill/>
-          </a:ln>
-        </p:spPr>
-        <p:style>
-          <a:lnRef idx="1">
-            <a:schemeClr val="accent1"/>
-          </a:lnRef>
-          <a:fillRef idx="3">
-            <a:schemeClr val="accent1"/>
-          </a:fillRef>
-          <a:effectRef idx="2">
-            <a:schemeClr val="accent1"/>
-          </a:effectRef>
-          <a:fontRef idx="minor">
-            <a:schemeClr val="lt1"/>
-          </a:fontRef>
-        </p:style>
-      </p:sp>
-      <p:sp>
-        <p:nvSpPr>
-          <p:cNvPr id="22" name="Rectangle 21">
-            <a:extLst>
-              <a:ext uri="{FF2B5EF4-FFF2-40B4-BE49-F238E27FC236}">
-                <a16:creationId xmlns:a16="http://schemas.microsoft.com/office/drawing/2014/main" id="{DFB3CEA1-88D9-42FB-88ED-1E9807FE6596}"/>
-              </a:ext>
-            </a:extLst>
-          </p:cNvPr>
-          <p:cNvSpPr>
-            <a:spLocks noGrp="1" noRot="1" noChangeAspect="1" noMove="1" noResize="1" noEditPoints="1" noAdjustHandles="1" noChangeArrowheads="1" noChangeShapeType="1" noTextEdit="1"/>
-          </p:cNvSpPr>
-          <p:nvPr>
-            <p:extLst>
-              <p:ext uri="{386F3935-93C4-4BCD-93E2-E3B085C9AB24}">
-                <p16:designElem xmlns:p16="http://schemas.microsoft.com/office/powerpoint/2015/main" val="1"/>
-              </p:ext>
-            </p:extLst>
-          </p:nvPr>
-        </p:nvSpPr>
-        <p:spPr>
-          <a:xfrm>
-            <a:off x="477012" y="480060"/>
-            <a:ext cx="11237976" cy="5897880"/>
-          </a:xfrm>
-          <a:prstGeom prst="rect">
-            <a:avLst/>
-          </a:prstGeom>
-          <a:solidFill>
-            <a:srgbClr val="FFFFFF"/>
-          </a:solidFill>
-          <a:ln>
-            <a:noFill/>
-          </a:ln>
-        </p:spPr>
-        <p:style>
-          <a:lnRef idx="2">
-            <a:schemeClr val="accent1">
-              <a:shade val="50000"/>
-            </a:schemeClr>
-          </a:lnRef>
-          <a:fillRef idx="1">
-            <a:schemeClr val="accent1"/>
-          </a:fillRef>
-          <a:effectRef idx="0">
-            <a:schemeClr val="accent1"/>
-          </a:effectRef>
-          <a:fontRef idx="minor">
-            <a:schemeClr val="lt1"/>
-          </a:fontRef>
-        </p:style>
-        <p:txBody>
-          <a:bodyPr rtlCol="0" anchor="ctr"/>
+          <p:cNvSpPr>
+            <a:spLocks noGrp="1"/>
+          </p:cNvSpPr>
+          <p:nvPr>
+            <p:ph idx="1"/>
+          </p:nvPr>
+        </p:nvSpPr>
+        <p:spPr/>
+        <p:txBody>
+          <a:bodyPr>
+            <a:normAutofit/>
+          </a:bodyPr>
           <a:lstStyle/>
           <a:p>
-            <a:pPr algn="ctr"/>
-            <a:endParaRPr lang="en-US" dirty="0"/>
-          </a:p>
-        </p:txBody>
-      </p:sp>
-      <p:pic>
-        <p:nvPicPr>
-          <p:cNvPr id="7" name="Espace réservé du contenu 8">
-            <a:extLst>
-              <a:ext uri="{FF2B5EF4-FFF2-40B4-BE49-F238E27FC236}">
-                <a16:creationId xmlns:a16="http://schemas.microsoft.com/office/drawing/2014/main" id="{DA130EE1-CD67-4948-B25D-CFE2AC115DD8}"/>
-              </a:ext>
-            </a:extLst>
-          </p:cNvPr>
-          <p:cNvPicPr>
-            <a:picLocks noGrp="1" noChangeAspect="1"/>
-          </p:cNvPicPr>
-          <p:nvPr>
-            <p:ph idx="1"/>
-          </p:nvPr>
-        </p:nvPicPr>
-        <p:blipFill>
-          <a:blip r:embed="rId7"/>
-          <a:stretch>
-            <a:fillRect/>
-          </a:stretch>
-        </p:blipFill>
-        <p:spPr>
-          <a:xfrm>
-            <a:off x="2014633" y="643467"/>
-            <a:ext cx="8162734" cy="5571066"/>
-          </a:xfrm>
-          <a:prstGeom prst="rect">
-            <a:avLst/>
-          </a:prstGeom>
-        </p:spPr>
-      </p:pic>
-      <p:sp>
-        <p:nvSpPr>
-          <p:cNvPr id="24" name="Rectangle 23">
-            <a:extLst>
-              <a:ext uri="{FF2B5EF4-FFF2-40B4-BE49-F238E27FC236}">
-                <a16:creationId xmlns:a16="http://schemas.microsoft.com/office/drawing/2014/main" id="{9A6C928E-4252-4F33-8C34-E50A12A3170B}"/>
-              </a:ext>
-            </a:extLst>
-          </p:cNvPr>
-          <p:cNvSpPr>
-            <a:spLocks noGrp="1" noRot="1" noChangeAspect="1" noMove="1" noResize="1" noEditPoints="1" noAdjustHandles="1" noChangeArrowheads="1" noChangeShapeType="1" noTextEdit="1"/>
-          </p:cNvSpPr>
-          <p:nvPr>
-            <p:extLst>
-              <p:ext uri="{386F3935-93C4-4BCD-93E2-E3B085C9AB24}">
-                <p16:designElem xmlns:p16="http://schemas.microsoft.com/office/powerpoint/2015/main" val="1"/>
-              </p:ext>
-            </p:extLst>
-          </p:nvPr>
-        </p:nvSpPr>
-        <p:spPr>
-          <a:xfrm>
-            <a:off x="10437812" y="0"/>
-            <a:ext cx="685800" cy="1143000"/>
-          </a:xfrm>
-          <a:prstGeom prst="rect">
-            <a:avLst/>
-          </a:prstGeom>
-          <a:solidFill>
-            <a:schemeClr val="accent1"/>
-          </a:solidFill>
-          <a:ln>
-            <a:noFill/>
-          </a:ln>
-        </p:spPr>
-        <p:style>
-          <a:lnRef idx="1">
-            <a:schemeClr val="accent1"/>
-          </a:lnRef>
-          <a:fillRef idx="3">
-            <a:schemeClr val="accent1"/>
-          </a:fillRef>
-          <a:effectRef idx="2">
-            <a:schemeClr val="accent1"/>
-          </a:effectRef>
-          <a:fontRef idx="minor">
-            <a:schemeClr val="lt1"/>
-          </a:fontRef>
-        </p:style>
+            <a:pPr marL="0" indent="0" algn="ctr">
+              <a:buNone/>
+            </a:pPr>
+            <a:r>
+              <a:rPr lang="fr-FR" sz="8000" dirty="0">
+                <a:latin typeface="Times New Roman" panose="02020603050405020304" pitchFamily="18" charset="0"/>
+                <a:cs typeface="Times New Roman" panose="02020603050405020304" pitchFamily="18" charset="0"/>
+              </a:rPr>
+              <a:t>Diagramme de Classe</a:t>
+            </a:r>
+          </a:p>
+        </p:txBody>
       </p:sp>
     </p:spTree>
     <p:extLst>
       <p:ext uri="{BB962C8B-B14F-4D97-AF65-F5344CB8AC3E}">
-        <p14:creationId xmlns:p14="http://schemas.microsoft.com/office/powerpoint/2010/main" val="3680219660"/>
+        <p14:creationId xmlns:p14="http://schemas.microsoft.com/office/powerpoint/2010/main" val="249038548"/>
       </p:ext>
     </p:extLst>
   </p:cSld>
@@ -7622,10 +7375,10 @@
       </p:sp>
       <p:pic>
         <p:nvPicPr>
-          <p:cNvPr id="5" name="Espace réservé du contenu 4">
+          <p:cNvPr id="7" name="Espace réservé du contenu 8">
             <a:extLst>
               <a:ext uri="{FF2B5EF4-FFF2-40B4-BE49-F238E27FC236}">
-                <a16:creationId xmlns:a16="http://schemas.microsoft.com/office/drawing/2014/main" id="{C999A972-9F2D-4983-B6C4-1B6A4DABE947}"/>
+                <a16:creationId xmlns:a16="http://schemas.microsoft.com/office/drawing/2014/main" id="{DA130EE1-CD67-4948-B25D-CFE2AC115DD8}"/>
               </a:ext>
             </a:extLst>
           </p:cNvPr>
@@ -7644,8 +7397,8 @@
         </p:blipFill>
         <p:spPr>
           <a:xfrm>
-            <a:off x="1077021" y="643467"/>
-            <a:ext cx="10037957" cy="5571066"/>
+            <a:off x="1988502" y="643467"/>
+            <a:ext cx="8162734" cy="5571066"/>
           </a:xfrm>
           <a:prstGeom prst="rect">
             <a:avLst/>
@@ -7705,7 +7458,7 @@
     </p:spTree>
     <p:extLst>
       <p:ext uri="{BB962C8B-B14F-4D97-AF65-F5344CB8AC3E}">
-        <p14:creationId xmlns:p14="http://schemas.microsoft.com/office/powerpoint/2010/main" val="1074527601"/>
+        <p14:creationId xmlns:p14="http://schemas.microsoft.com/office/powerpoint/2010/main" val="3680219660"/>
       </p:ext>
     </p:extLst>
   </p:cSld>
@@ -7759,7 +7512,7 @@
       </p:grpSpPr>
       <p:pic>
         <p:nvPicPr>
-          <p:cNvPr id="18" name="Picture 17">
+          <p:cNvPr id="10" name="Picture 9">
             <a:extLst>
               <a:ext uri="{FF2B5EF4-FFF2-40B4-BE49-F238E27FC236}">
                 <a16:creationId xmlns:a16="http://schemas.microsoft.com/office/drawing/2014/main" id="{C9ECDD5C-152A-4CC7-8333-0F367B3A62EA}"/>
@@ -7800,7 +7553,7 @@
       </p:pic>
       <p:pic>
         <p:nvPicPr>
-          <p:cNvPr id="20" name="Picture 19">
+          <p:cNvPr id="12" name="Picture 11">
             <a:extLst>
               <a:ext uri="{FF2B5EF4-FFF2-40B4-BE49-F238E27FC236}">
                 <a16:creationId xmlns:a16="http://schemas.microsoft.com/office/drawing/2014/main" id="{7F5C92A3-369B-43F3-BDCE-E560B1B0EC89}"/>
@@ -7841,7 +7594,7 @@
       </p:pic>
       <p:sp>
         <p:nvSpPr>
-          <p:cNvPr id="22" name="Oval 21">
+          <p:cNvPr id="14" name="Oval 13">
             <a:extLst>
               <a:ext uri="{FF2B5EF4-FFF2-40B4-BE49-F238E27FC236}">
                 <a16:creationId xmlns:a16="http://schemas.microsoft.com/office/drawing/2014/main" id="{AEBE9F1A-B38D-446E-83AE-14B17CE77FF2}"/>
@@ -7918,7 +7671,7 @@
       </p:sp>
       <p:pic>
         <p:nvPicPr>
-          <p:cNvPr id="24" name="Picture 23">
+          <p:cNvPr id="16" name="Picture 15">
             <a:extLst>
               <a:ext uri="{FF2B5EF4-FFF2-40B4-BE49-F238E27FC236}">
                 <a16:creationId xmlns:a16="http://schemas.microsoft.com/office/drawing/2014/main" id="{915B5014-A7EC-4BA6-9C83-8840CF81DB28}"/>
@@ -7959,7 +7712,7 @@
       </p:pic>
       <p:pic>
         <p:nvPicPr>
-          <p:cNvPr id="26" name="Picture 25">
+          <p:cNvPr id="18" name="Picture 17">
             <a:extLst>
               <a:ext uri="{FF2B5EF4-FFF2-40B4-BE49-F238E27FC236}">
                 <a16:creationId xmlns:a16="http://schemas.microsoft.com/office/drawing/2014/main" id="{022C43AB-86D7-420D-8AD7-DC0A15FDD0AF}"/>
@@ -8000,7 +7753,7 @@
       </p:pic>
       <p:sp>
         <p:nvSpPr>
-          <p:cNvPr id="28" name="Rectangle 27">
+          <p:cNvPr id="20" name="Rectangle 19">
             <a:extLst>
               <a:ext uri="{FF2B5EF4-FFF2-40B4-BE49-F238E27FC236}">
                 <a16:creationId xmlns:a16="http://schemas.microsoft.com/office/drawing/2014/main" id="{5E3EB826-A471-488F-9E8A-D65528A3C0CA}"/>
@@ -8050,7 +7803,7 @@
       </p:sp>
       <p:sp>
         <p:nvSpPr>
-          <p:cNvPr id="30" name="Rectangle 29">
+          <p:cNvPr id="22" name="Rectangle 21">
             <a:extLst>
               <a:ext uri="{FF2B5EF4-FFF2-40B4-BE49-F238E27FC236}">
                 <a16:creationId xmlns:a16="http://schemas.microsoft.com/office/drawing/2014/main" id="{DFB3CEA1-88D9-42FB-88ED-1E9807FE6596}"/>
@@ -8110,10 +7863,10 @@
       </p:sp>
       <p:pic>
         <p:nvPicPr>
-          <p:cNvPr id="13" name="Espace réservé du contenu 12">
+          <p:cNvPr id="5" name="Espace réservé du contenu 4">
             <a:extLst>
               <a:ext uri="{FF2B5EF4-FFF2-40B4-BE49-F238E27FC236}">
-                <a16:creationId xmlns:a16="http://schemas.microsoft.com/office/drawing/2014/main" id="{40CD1123-51FC-42AB-8B34-E971F4AC52EE}"/>
+                <a16:creationId xmlns:a16="http://schemas.microsoft.com/office/drawing/2014/main" id="{C999A972-9F2D-4983-B6C4-1B6A4DABE947}"/>
               </a:ext>
             </a:extLst>
           </p:cNvPr>
@@ -8132,8 +7885,8 @@
         </p:blipFill>
         <p:spPr>
           <a:xfrm>
-            <a:off x="1603205" y="643467"/>
-            <a:ext cx="8985589" cy="5571066"/>
+            <a:off x="1077021" y="643467"/>
+            <a:ext cx="10037957" cy="5571066"/>
           </a:xfrm>
           <a:prstGeom prst="rect">
             <a:avLst/>
@@ -8142,7 +7895,7 @@
       </p:pic>
       <p:sp>
         <p:nvSpPr>
-          <p:cNvPr id="32" name="Rectangle 31">
+          <p:cNvPr id="24" name="Rectangle 23">
             <a:extLst>
               <a:ext uri="{FF2B5EF4-FFF2-40B4-BE49-F238E27FC236}">
                 <a16:creationId xmlns:a16="http://schemas.microsoft.com/office/drawing/2014/main" id="{9A6C928E-4252-4F33-8C34-E50A12A3170B}"/>
@@ -8193,7 +7946,7 @@
     </p:spTree>
     <p:extLst>
       <p:ext uri="{BB962C8B-B14F-4D97-AF65-F5344CB8AC3E}">
-        <p14:creationId xmlns:p14="http://schemas.microsoft.com/office/powerpoint/2010/main" val="1412710059"/>
+        <p14:creationId xmlns:p14="http://schemas.microsoft.com/office/powerpoint/2010/main" val="1074527601"/>
       </p:ext>
     </p:extLst>
   </p:cSld>
@@ -8206,6 +7959,31 @@
 <file path=ppt/slides/slide6.xml><?xml version="1.0" encoding="utf-8"?>
 <p:sld xmlns:a="http://schemas.openxmlformats.org/drawingml/2006/main" xmlns:r="http://schemas.openxmlformats.org/officeDocument/2006/relationships" xmlns:p="http://schemas.openxmlformats.org/presentationml/2006/main">
   <p:cSld>
+    <p:bg>
+      <p:bgPr>
+        <a:blipFill rotWithShape="1">
+          <a:blip r:embed="rId2">
+            <a:duotone>
+              <a:schemeClr val="bg2">
+                <a:shade val="69000"/>
+                <a:hueMod val="108000"/>
+                <a:satMod val="164000"/>
+                <a:lumMod val="74000"/>
+              </a:schemeClr>
+              <a:schemeClr val="bg2">
+                <a:tint val="96000"/>
+                <a:hueMod val="88000"/>
+                <a:satMod val="140000"/>
+                <a:lumMod val="132000"/>
+              </a:schemeClr>
+            </a:duotone>
+            <a:extLst/>
+          </a:blip>
+          <a:stretch/>
+        </a:blipFill>
+        <a:effectLst/>
+      </p:bgPr>
+    </p:bg>
     <p:spTree>
       <p:nvGrpSpPr>
         <p:cNvPr id="1" name=""/>
@@ -8220,161 +7998,443 @@
           <a:chExt cx="0" cy="0"/>
         </a:xfrm>
       </p:grpSpPr>
-      <p:sp>
-        <p:nvSpPr>
-          <p:cNvPr id="2" name="Titre 1">
+      <p:pic>
+        <p:nvPicPr>
+          <p:cNvPr id="18" name="Picture 17">
             <a:extLst>
               <a:ext uri="{FF2B5EF4-FFF2-40B4-BE49-F238E27FC236}">
-                <a16:creationId xmlns:a16="http://schemas.microsoft.com/office/drawing/2014/main" id="{8A7C97AB-C628-47BE-A96B-FB51DA43267B}"/>
-              </a:ext>
-            </a:extLst>
-          </p:cNvPr>
-          <p:cNvSpPr>
-            <a:spLocks noGrp="1"/>
-          </p:cNvSpPr>
-          <p:nvPr>
-            <p:ph type="title"/>
-          </p:nvPr>
-        </p:nvSpPr>
-        <p:spPr>
-          <a:xfrm>
-            <a:off x="1384962" y="247333"/>
-            <a:ext cx="9404723" cy="1400530"/>
-          </a:xfrm>
-        </p:spPr>
-        <p:txBody>
-          <a:bodyPr/>
-          <a:lstStyle/>
-          <a:p>
-            <a:pPr algn="ctr"/>
-            <a:r>
-              <a:rPr lang="fr-FR" sz="8000" dirty="0">
-                <a:latin typeface="Times New Roman" panose="02020603050405020304" pitchFamily="18" charset="0"/>
-                <a:cs typeface="Times New Roman" panose="02020603050405020304" pitchFamily="18" charset="0"/>
-              </a:rPr>
-              <a:t>GitHub</a:t>
-            </a:r>
-          </a:p>
-        </p:txBody>
-      </p:sp>
-      <p:sp>
-        <p:nvSpPr>
-          <p:cNvPr id="3" name="Espace réservé du contenu 2">
-            <a:extLst>
-              <a:ext uri="{FF2B5EF4-FFF2-40B4-BE49-F238E27FC236}">
-                <a16:creationId xmlns:a16="http://schemas.microsoft.com/office/drawing/2014/main" id="{589160F4-F0B8-4978-B74D-624D14B2B2C1}"/>
-              </a:ext>
-            </a:extLst>
-          </p:cNvPr>
-          <p:cNvSpPr>
-            <a:spLocks noGrp="1"/>
-          </p:cNvSpPr>
-          <p:nvPr>
-            <p:ph idx="1"/>
-          </p:nvPr>
-        </p:nvSpPr>
-        <p:spPr>
-          <a:xfrm>
-            <a:off x="1103312" y="1705430"/>
-            <a:ext cx="8946541" cy="4542970"/>
-          </a:xfrm>
-        </p:spPr>
-        <p:txBody>
-          <a:bodyPr>
-            <a:normAutofit/>
-          </a:bodyPr>
-          <a:lstStyle/>
-          <a:p>
-            <a:r>
-              <a:rPr lang="fr-FR" sz="2400" dirty="0">
-                <a:latin typeface="Times New Roman" panose="02020603050405020304" pitchFamily="18" charset="0"/>
-                <a:cs typeface="Times New Roman" panose="02020603050405020304" pitchFamily="18" charset="0"/>
-              </a:rPr>
-              <a:t>Compte créer par Marine </a:t>
-            </a:r>
-            <a:r>
-              <a:rPr lang="fr-FR" sz="2400" dirty="0" err="1">
-                <a:latin typeface="Times New Roman" panose="02020603050405020304" pitchFamily="18" charset="0"/>
-                <a:cs typeface="Times New Roman" panose="02020603050405020304" pitchFamily="18" charset="0"/>
-              </a:rPr>
-              <a:t>Beurotte</a:t>
-            </a:r>
-            <a:r>
-              <a:rPr lang="fr-FR" sz="2400" dirty="0">
-                <a:latin typeface="Times New Roman" panose="02020603050405020304" pitchFamily="18" charset="0"/>
-                <a:cs typeface="Times New Roman" panose="02020603050405020304" pitchFamily="18" charset="0"/>
-              </a:rPr>
-              <a:t> 		identifiant: mama98</a:t>
-            </a:r>
-          </a:p>
-          <a:p>
-            <a:r>
-              <a:rPr lang="fr-FR" sz="2400" dirty="0">
-                <a:latin typeface="Times New Roman" panose="02020603050405020304" pitchFamily="18" charset="0"/>
-                <a:cs typeface="Times New Roman" panose="02020603050405020304" pitchFamily="18" charset="0"/>
-              </a:rPr>
-              <a:t>4 branches 									</a:t>
-            </a:r>
-            <a:r>
-              <a:rPr lang="fr-FR" sz="2400" dirty="0" err="1">
-                <a:latin typeface="Times New Roman" panose="02020603050405020304" pitchFamily="18" charset="0"/>
-                <a:cs typeface="Times New Roman" panose="02020603050405020304" pitchFamily="18" charset="0"/>
-              </a:rPr>
-              <a:t>mdp</a:t>
-            </a:r>
-            <a:r>
-              <a:rPr lang="fr-FR" sz="2400" dirty="0">
-                <a:latin typeface="Times New Roman" panose="02020603050405020304" pitchFamily="18" charset="0"/>
-                <a:cs typeface="Times New Roman" panose="02020603050405020304" pitchFamily="18" charset="0"/>
-              </a:rPr>
-              <a:t>: mamab98</a:t>
-            </a:r>
-          </a:p>
-          <a:p>
-            <a:r>
-              <a:rPr lang="fr-FR" sz="2400" dirty="0">
-                <a:latin typeface="Times New Roman" panose="02020603050405020304" pitchFamily="18" charset="0"/>
-                <a:cs typeface="Times New Roman" panose="02020603050405020304" pitchFamily="18" charset="0"/>
-              </a:rPr>
-              <a:t>Branche Master </a:t>
-            </a:r>
-          </a:p>
-        </p:txBody>
-      </p:sp>
-      <p:pic>
-        <p:nvPicPr>
-          <p:cNvPr id="5" name="Image 4">
-            <a:extLst>
-              <a:ext uri="{FF2B5EF4-FFF2-40B4-BE49-F238E27FC236}">
-                <a16:creationId xmlns:a16="http://schemas.microsoft.com/office/drawing/2014/main" id="{2596D2B6-AC40-4559-9338-45C0D4B97DAD}"/>
+                <a16:creationId xmlns:a16="http://schemas.microsoft.com/office/drawing/2014/main" id="{C9ECDD5C-152A-4CC7-8333-0F367B3A62EA}"/>
               </a:ext>
             </a:extLst>
           </p:cNvPr>
           <p:cNvPicPr>
-            <a:picLocks noChangeAspect="1"/>
+            <a:picLocks noGrp="1" noRot="1" noChangeAspect="1" noMove="1" noResize="1" noEditPoints="1" noAdjustHandles="1" noChangeArrowheads="1" noChangeShapeType="1" noCrop="1"/>
           </p:cNvPicPr>
-          <p:nvPr/>
+          <p:nvPr>
+            <p:extLst>
+              <p:ext uri="{386F3935-93C4-4BCD-93E2-E3B085C9AB24}">
+                <p16:designElem xmlns:p16="http://schemas.microsoft.com/office/powerpoint/2015/main" val="1"/>
+              </p:ext>
+            </p:extLst>
+          </p:nvPr>
+        </p:nvPicPr>
+        <p:blipFill rotWithShape="1">
+          <a:blip r:embed="rId3">
+            <a:extLst>
+              <a:ext uri="{28A0092B-C50C-407E-A947-70E740481C1C}">
+                <a14:useLocalDpi xmlns:a14="http://schemas.microsoft.com/office/drawing/2010/main" val="0"/>
+              </a:ext>
+            </a:extLst>
+          </a:blip>
+          <a:srcRect l="3613"/>
+          <a:stretch/>
+        </p:blipFill>
+        <p:spPr>
+          <a:xfrm>
+            <a:off x="0" y="2669685"/>
+            <a:ext cx="4037012" cy="4188315"/>
+          </a:xfrm>
+          <a:prstGeom prst="rect">
+            <a:avLst/>
+          </a:prstGeom>
+        </p:spPr>
+      </p:pic>
+      <p:pic>
+        <p:nvPicPr>
+          <p:cNvPr id="20" name="Picture 19">
+            <a:extLst>
+              <a:ext uri="{FF2B5EF4-FFF2-40B4-BE49-F238E27FC236}">
+                <a16:creationId xmlns:a16="http://schemas.microsoft.com/office/drawing/2014/main" id="{7F5C92A3-369B-43F3-BDCE-E560B1B0EC89}"/>
+              </a:ext>
+            </a:extLst>
+          </p:cNvPr>
+          <p:cNvPicPr>
+            <a:picLocks noGrp="1" noRot="1" noChangeAspect="1" noMove="1" noResize="1" noEditPoints="1" noAdjustHandles="1" noChangeArrowheads="1" noChangeShapeType="1" noCrop="1"/>
+          </p:cNvPicPr>
+          <p:nvPr>
+            <p:extLst>
+              <p:ext uri="{386F3935-93C4-4BCD-93E2-E3B085C9AB24}">
+                <p16:designElem xmlns:p16="http://schemas.microsoft.com/office/powerpoint/2015/main" val="1"/>
+              </p:ext>
+            </p:extLst>
+          </p:nvPr>
+        </p:nvPicPr>
+        <p:blipFill rotWithShape="1">
+          <a:blip r:embed="rId4">
+            <a:extLst>
+              <a:ext uri="{28A0092B-C50C-407E-A947-70E740481C1C}">
+                <a14:useLocalDpi xmlns:a14="http://schemas.microsoft.com/office/drawing/2010/main" val="0"/>
+              </a:ext>
+            </a:extLst>
+          </a:blip>
+          <a:srcRect l="35640"/>
+          <a:stretch/>
+        </p:blipFill>
+        <p:spPr>
+          <a:xfrm>
+            <a:off x="0" y="2892347"/>
+            <a:ext cx="1522412" cy="2365453"/>
+          </a:xfrm>
+          <a:prstGeom prst="rect">
+            <a:avLst/>
+          </a:prstGeom>
+        </p:spPr>
+      </p:pic>
+      <p:sp>
+        <p:nvSpPr>
+          <p:cNvPr id="22" name="Oval 21">
+            <a:extLst>
+              <a:ext uri="{FF2B5EF4-FFF2-40B4-BE49-F238E27FC236}">
+                <a16:creationId xmlns:a16="http://schemas.microsoft.com/office/drawing/2014/main" id="{AEBE9F1A-B38D-446E-83AE-14B17CE77FF2}"/>
+              </a:ext>
+            </a:extLst>
+          </p:cNvPr>
+          <p:cNvSpPr>
+            <a:spLocks noGrp="1" noRot="1" noChangeAspect="1" noMove="1" noResize="1" noEditPoints="1" noAdjustHandles="1" noChangeArrowheads="1" noChangeShapeType="1" noTextEdit="1"/>
+          </p:cNvSpPr>
+          <p:nvPr>
+            <p:extLst>
+              <p:ext uri="{386F3935-93C4-4BCD-93E2-E3B085C9AB24}">
+                <p16:designElem xmlns:p16="http://schemas.microsoft.com/office/powerpoint/2015/main" val="1"/>
+              </p:ext>
+            </p:extLst>
+          </p:nvPr>
+        </p:nvSpPr>
+        <p:spPr>
+          <a:xfrm>
+            <a:off x="8609012" y="1676400"/>
+            <a:ext cx="2819400" cy="2819400"/>
+          </a:xfrm>
+          <a:prstGeom prst="ellipse">
+            <a:avLst/>
+          </a:prstGeom>
+          <a:gradFill flip="none" rotWithShape="1">
+            <a:gsLst>
+              <a:gs pos="0">
+                <a:schemeClr val="bg2">
+                  <a:lumMod val="60000"/>
+                  <a:lumOff val="40000"/>
+                  <a:alpha val="7000"/>
+                </a:schemeClr>
+              </a:gs>
+              <a:gs pos="69000">
+                <a:schemeClr val="bg2">
+                  <a:lumMod val="60000"/>
+                  <a:lumOff val="40000"/>
+                  <a:alpha val="0"/>
+                </a:schemeClr>
+              </a:gs>
+              <a:gs pos="36000">
+                <a:schemeClr val="bg2">
+                  <a:lumMod val="60000"/>
+                  <a:lumOff val="40000"/>
+                  <a:alpha val="6000"/>
+                </a:schemeClr>
+              </a:gs>
+            </a:gsLst>
+            <a:path path="circle">
+              <a:fillToRect l="50000" t="50000" r="50000" b="50000"/>
+            </a:path>
+            <a:tileRect/>
+          </a:gradFill>
+          <a:ln>
+            <a:noFill/>
+          </a:ln>
+          <a:effectLst/>
+        </p:spPr>
+        <p:style>
+          <a:lnRef idx="1">
+            <a:schemeClr val="accent1"/>
+          </a:lnRef>
+          <a:fillRef idx="3">
+            <a:schemeClr val="accent1"/>
+          </a:fillRef>
+          <a:effectRef idx="2">
+            <a:schemeClr val="accent1"/>
+          </a:effectRef>
+          <a:fontRef idx="minor">
+            <a:schemeClr val="lt1"/>
+          </a:fontRef>
+        </p:style>
+      </p:sp>
+      <p:pic>
+        <p:nvPicPr>
+          <p:cNvPr id="24" name="Picture 23">
+            <a:extLst>
+              <a:ext uri="{FF2B5EF4-FFF2-40B4-BE49-F238E27FC236}">
+                <a16:creationId xmlns:a16="http://schemas.microsoft.com/office/drawing/2014/main" id="{915B5014-A7EC-4BA6-9C83-8840CF81DB28}"/>
+              </a:ext>
+            </a:extLst>
+          </p:cNvPr>
+          <p:cNvPicPr>
+            <a:picLocks noGrp="1" noRot="1" noChangeAspect="1" noMove="1" noResize="1" noEditPoints="1" noAdjustHandles="1" noChangeArrowheads="1" noChangeShapeType="1" noCrop="1"/>
+          </p:cNvPicPr>
+          <p:nvPr>
+            <p:extLst>
+              <p:ext uri="{386F3935-93C4-4BCD-93E2-E3B085C9AB24}">
+                <p16:designElem xmlns:p16="http://schemas.microsoft.com/office/powerpoint/2015/main" val="1"/>
+              </p:ext>
+            </p:extLst>
+          </p:nvPr>
+        </p:nvPicPr>
+        <p:blipFill rotWithShape="1">
+          <a:blip r:embed="rId5">
+            <a:extLst>
+              <a:ext uri="{28A0092B-C50C-407E-A947-70E740481C1C}">
+                <a14:useLocalDpi xmlns:a14="http://schemas.microsoft.com/office/drawing/2010/main" val="0"/>
+              </a:ext>
+            </a:extLst>
+          </a:blip>
+          <a:srcRect t="28813"/>
+          <a:stretch/>
+        </p:blipFill>
+        <p:spPr>
+          <a:xfrm>
+            <a:off x="7999412" y="0"/>
+            <a:ext cx="1603387" cy="1141407"/>
+          </a:xfrm>
+          <a:prstGeom prst="rect">
+            <a:avLst/>
+          </a:prstGeom>
+        </p:spPr>
+      </p:pic>
+      <p:pic>
+        <p:nvPicPr>
+          <p:cNvPr id="26" name="Picture 25">
+            <a:extLst>
+              <a:ext uri="{FF2B5EF4-FFF2-40B4-BE49-F238E27FC236}">
+                <a16:creationId xmlns:a16="http://schemas.microsoft.com/office/drawing/2014/main" id="{022C43AB-86D7-420D-8AD7-DC0A15FDD0AF}"/>
+              </a:ext>
+            </a:extLst>
+          </p:cNvPr>
+          <p:cNvPicPr>
+            <a:picLocks noGrp="1" noRot="1" noChangeAspect="1" noMove="1" noResize="1" noEditPoints="1" noAdjustHandles="1" noChangeArrowheads="1" noChangeShapeType="1" noCrop="1"/>
+          </p:cNvPicPr>
+          <p:nvPr>
+            <p:extLst>
+              <p:ext uri="{386F3935-93C4-4BCD-93E2-E3B085C9AB24}">
+                <p16:designElem xmlns:p16="http://schemas.microsoft.com/office/powerpoint/2015/main" val="1"/>
+              </p:ext>
+            </p:extLst>
+          </p:nvPr>
+        </p:nvPicPr>
+        <p:blipFill rotWithShape="1">
+          <a:blip r:embed="rId6">
+            <a:extLst>
+              <a:ext uri="{28A0092B-C50C-407E-A947-70E740481C1C}">
+                <a14:useLocalDpi xmlns:a14="http://schemas.microsoft.com/office/drawing/2010/main" val="0"/>
+              </a:ext>
+            </a:extLst>
+          </a:blip>
+          <a:srcRect b="23320"/>
+          <a:stretch/>
+        </p:blipFill>
+        <p:spPr>
+          <a:xfrm>
+            <a:off x="8605878" y="6096000"/>
+            <a:ext cx="993734" cy="762000"/>
+          </a:xfrm>
+          <a:prstGeom prst="rect">
+            <a:avLst/>
+          </a:prstGeom>
+        </p:spPr>
+      </p:pic>
+      <p:sp>
+        <p:nvSpPr>
+          <p:cNvPr id="28" name="Rectangle 27">
+            <a:extLst>
+              <a:ext uri="{FF2B5EF4-FFF2-40B4-BE49-F238E27FC236}">
+                <a16:creationId xmlns:a16="http://schemas.microsoft.com/office/drawing/2014/main" id="{5E3EB826-A471-488F-9E8A-D65528A3C0CA}"/>
+              </a:ext>
+            </a:extLst>
+          </p:cNvPr>
+          <p:cNvSpPr>
+            <a:spLocks noGrp="1" noRot="1" noChangeAspect="1" noMove="1" noResize="1" noEditPoints="1" noAdjustHandles="1" noChangeArrowheads="1" noChangeShapeType="1" noTextEdit="1"/>
+          </p:cNvSpPr>
+          <p:nvPr>
+            <p:extLst>
+              <p:ext uri="{386F3935-93C4-4BCD-93E2-E3B085C9AB24}">
+                <p16:designElem xmlns:p16="http://schemas.microsoft.com/office/powerpoint/2015/main" val="1"/>
+              </p:ext>
+            </p:extLst>
+          </p:nvPr>
+        </p:nvSpPr>
+        <p:spPr>
+          <a:xfrm>
+            <a:off x="10437812" y="0"/>
+            <a:ext cx="685800" cy="1143000"/>
+          </a:xfrm>
+          <a:prstGeom prst="rect">
+            <a:avLst/>
+          </a:prstGeom>
+          <a:solidFill>
+            <a:schemeClr val="accent1"/>
+          </a:solidFill>
+          <a:ln>
+            <a:noFill/>
+          </a:ln>
+        </p:spPr>
+        <p:style>
+          <a:lnRef idx="1">
+            <a:schemeClr val="accent1"/>
+          </a:lnRef>
+          <a:fillRef idx="3">
+            <a:schemeClr val="accent1"/>
+          </a:fillRef>
+          <a:effectRef idx="2">
+            <a:schemeClr val="accent1"/>
+          </a:effectRef>
+          <a:fontRef idx="minor">
+            <a:schemeClr val="lt1"/>
+          </a:fontRef>
+        </p:style>
+      </p:sp>
+      <p:sp>
+        <p:nvSpPr>
+          <p:cNvPr id="30" name="Rectangle 29">
+            <a:extLst>
+              <a:ext uri="{FF2B5EF4-FFF2-40B4-BE49-F238E27FC236}">
+                <a16:creationId xmlns:a16="http://schemas.microsoft.com/office/drawing/2014/main" id="{DFB3CEA1-88D9-42FB-88ED-1E9807FE6596}"/>
+              </a:ext>
+            </a:extLst>
+          </p:cNvPr>
+          <p:cNvSpPr>
+            <a:spLocks noGrp="1" noRot="1" noChangeAspect="1" noMove="1" noResize="1" noEditPoints="1" noAdjustHandles="1" noChangeArrowheads="1" noChangeShapeType="1" noTextEdit="1"/>
+          </p:cNvSpPr>
+          <p:nvPr>
+            <p:extLst>
+              <p:ext uri="{386F3935-93C4-4BCD-93E2-E3B085C9AB24}">
+                <p16:designElem xmlns:p16="http://schemas.microsoft.com/office/powerpoint/2015/main" val="1"/>
+              </p:ext>
+            </p:extLst>
+          </p:nvPr>
+        </p:nvSpPr>
+        <p:spPr>
+          <a:xfrm>
+            <a:off x="477012" y="480060"/>
+            <a:ext cx="11237976" cy="5897880"/>
+          </a:xfrm>
+          <a:prstGeom prst="rect">
+            <a:avLst/>
+          </a:prstGeom>
+          <a:solidFill>
+            <a:srgbClr val="FFFFFF"/>
+          </a:solidFill>
+          <a:ln>
+            <a:noFill/>
+          </a:ln>
+        </p:spPr>
+        <p:style>
+          <a:lnRef idx="2">
+            <a:schemeClr val="accent1">
+              <a:shade val="50000"/>
+            </a:schemeClr>
+          </a:lnRef>
+          <a:fillRef idx="1">
+            <a:schemeClr val="accent1"/>
+          </a:fillRef>
+          <a:effectRef idx="0">
+            <a:schemeClr val="accent1"/>
+          </a:effectRef>
+          <a:fontRef idx="minor">
+            <a:schemeClr val="lt1"/>
+          </a:fontRef>
+        </p:style>
+        <p:txBody>
+          <a:bodyPr rtlCol="0" anchor="ctr"/>
+          <a:lstStyle/>
+          <a:p>
+            <a:pPr algn="ctr"/>
+            <a:endParaRPr lang="en-US" dirty="0"/>
+          </a:p>
+        </p:txBody>
+      </p:sp>
+      <p:pic>
+        <p:nvPicPr>
+          <p:cNvPr id="13" name="Espace réservé du contenu 12">
+            <a:extLst>
+              <a:ext uri="{FF2B5EF4-FFF2-40B4-BE49-F238E27FC236}">
+                <a16:creationId xmlns:a16="http://schemas.microsoft.com/office/drawing/2014/main" id="{40CD1123-51FC-42AB-8B34-E971F4AC52EE}"/>
+              </a:ext>
+            </a:extLst>
+          </p:cNvPr>
+          <p:cNvPicPr>
+            <a:picLocks noGrp="1" noChangeAspect="1"/>
+          </p:cNvPicPr>
+          <p:nvPr>
+            <p:ph idx="1"/>
+          </p:nvPr>
         </p:nvPicPr>
         <p:blipFill>
-          <a:blip r:embed="rId2"/>
+          <a:blip r:embed="rId7"/>
           <a:stretch>
             <a:fillRect/>
           </a:stretch>
         </p:blipFill>
         <p:spPr>
           <a:xfrm>
-            <a:off x="1272997" y="3221095"/>
-            <a:ext cx="9366731" cy="3295819"/>
+            <a:off x="1603205" y="643467"/>
+            <a:ext cx="8985589" cy="5571066"/>
           </a:xfrm>
           <a:prstGeom prst="rect">
             <a:avLst/>
           </a:prstGeom>
         </p:spPr>
       </p:pic>
+      <p:sp>
+        <p:nvSpPr>
+          <p:cNvPr id="32" name="Rectangle 31">
+            <a:extLst>
+              <a:ext uri="{FF2B5EF4-FFF2-40B4-BE49-F238E27FC236}">
+                <a16:creationId xmlns:a16="http://schemas.microsoft.com/office/drawing/2014/main" id="{9A6C928E-4252-4F33-8C34-E50A12A3170B}"/>
+              </a:ext>
+            </a:extLst>
+          </p:cNvPr>
+          <p:cNvSpPr>
+            <a:spLocks noGrp="1" noRot="1" noChangeAspect="1" noMove="1" noResize="1" noEditPoints="1" noAdjustHandles="1" noChangeArrowheads="1" noChangeShapeType="1" noTextEdit="1"/>
+          </p:cNvSpPr>
+          <p:nvPr>
+            <p:extLst>
+              <p:ext uri="{386F3935-93C4-4BCD-93E2-E3B085C9AB24}">
+                <p16:designElem xmlns:p16="http://schemas.microsoft.com/office/powerpoint/2015/main" val="1"/>
+              </p:ext>
+            </p:extLst>
+          </p:nvPr>
+        </p:nvSpPr>
+        <p:spPr>
+          <a:xfrm>
+            <a:off x="10437812" y="0"/>
+            <a:ext cx="685800" cy="1143000"/>
+          </a:xfrm>
+          <a:prstGeom prst="rect">
+            <a:avLst/>
+          </a:prstGeom>
+          <a:solidFill>
+            <a:schemeClr val="accent1"/>
+          </a:solidFill>
+          <a:ln>
+            <a:noFill/>
+          </a:ln>
+        </p:spPr>
+        <p:style>
+          <a:lnRef idx="1">
+            <a:schemeClr val="accent1"/>
+          </a:lnRef>
+          <a:fillRef idx="3">
+            <a:schemeClr val="accent1"/>
+          </a:fillRef>
+          <a:effectRef idx="2">
+            <a:schemeClr val="accent1"/>
+          </a:effectRef>
+          <a:fontRef idx="minor">
+            <a:schemeClr val="lt1"/>
+          </a:fontRef>
+        </p:style>
+      </p:sp>
     </p:spTree>
     <p:extLst>
       <p:ext uri="{BB962C8B-B14F-4D97-AF65-F5344CB8AC3E}">
-        <p14:creationId xmlns:p14="http://schemas.microsoft.com/office/powerpoint/2010/main" val="228210138"/>
+        <p14:creationId xmlns:p14="http://schemas.microsoft.com/office/powerpoint/2010/main" val="1412710059"/>
       </p:ext>
     </p:extLst>
   </p:cSld>
@@ -8406,7 +8466,7 @@
           <p:cNvPr id="2" name="Titre 1">
             <a:extLst>
               <a:ext uri="{FF2B5EF4-FFF2-40B4-BE49-F238E27FC236}">
-                <a16:creationId xmlns:a16="http://schemas.microsoft.com/office/drawing/2014/main" id="{90219DAA-EDFB-4994-8F0F-6CDE771FC466}"/>
+                <a16:creationId xmlns:a16="http://schemas.microsoft.com/office/drawing/2014/main" id="{8A7C97AB-C628-47BE-A96B-FB51DA43267B}"/>
               </a:ext>
             </a:extLst>
           </p:cNvPr>
@@ -8419,8 +8479,8 @@
         </p:nvSpPr>
         <p:spPr>
           <a:xfrm>
-            <a:off x="1104293" y="62360"/>
-            <a:ext cx="9404723" cy="750440"/>
+            <a:off x="1384962" y="247333"/>
+            <a:ext cx="9404723" cy="1400530"/>
           </a:xfrm>
         </p:spPr>
         <p:txBody>
@@ -8429,7 +8489,7 @@
           <a:p>
             <a:pPr algn="ctr"/>
             <a:r>
-              <a:rPr lang="fr-FR" sz="4000" dirty="0">
+              <a:rPr lang="fr-FR" sz="8000" dirty="0">
                 <a:latin typeface="Times New Roman" panose="02020603050405020304" pitchFamily="18" charset="0"/>
                 <a:cs typeface="Times New Roman" panose="02020603050405020304" pitchFamily="18" charset="0"/>
               </a:rPr>
@@ -8443,7 +8503,7 @@
           <p:cNvPr id="3" name="Espace réservé du contenu 2">
             <a:extLst>
               <a:ext uri="{FF2B5EF4-FFF2-40B4-BE49-F238E27FC236}">
-                <a16:creationId xmlns:a16="http://schemas.microsoft.com/office/drawing/2014/main" id="{7578EA6A-CBD2-49BC-A293-20011E48836D}"/>
+                <a16:creationId xmlns:a16="http://schemas.microsoft.com/office/drawing/2014/main" id="{589160F4-F0B8-4978-B74D-624D14B2B2C1}"/>
               </a:ext>
             </a:extLst>
           </p:cNvPr>
@@ -8456,30 +8516,78 @@
         </p:nvSpPr>
         <p:spPr>
           <a:xfrm>
-            <a:off x="1104293" y="812800"/>
-            <a:ext cx="8946541" cy="4616879"/>
-          </a:xfrm>
-        </p:spPr>
-        <p:txBody>
-          <a:bodyPr/>
+            <a:off x="1103312" y="1705430"/>
+            <a:ext cx="8946541" cy="4542970"/>
+          </a:xfrm>
+        </p:spPr>
+        <p:txBody>
+          <a:bodyPr>
+            <a:normAutofit/>
+          </a:bodyPr>
           <a:lstStyle/>
           <a:p>
             <a:r>
-              <a:rPr lang="fr-FR" dirty="0"/>
-              <a:t>Branche Marine</a:t>
-            </a:r>
-          </a:p>
-          <a:p>
-            <a:endParaRPr lang="fr-FR" dirty="0"/>
+              <a:rPr lang="fr-FR" sz="2400" dirty="0">
+                <a:latin typeface="Times New Roman" panose="02020603050405020304" pitchFamily="18" charset="0"/>
+                <a:cs typeface="Times New Roman" panose="02020603050405020304" pitchFamily="18" charset="0"/>
+              </a:rPr>
+              <a:t>Compte créer par Marine </a:t>
+            </a:r>
+            <a:r>
+              <a:rPr lang="fr-FR" sz="2400" dirty="0" err="1">
+                <a:latin typeface="Times New Roman" panose="02020603050405020304" pitchFamily="18" charset="0"/>
+                <a:cs typeface="Times New Roman" panose="02020603050405020304" pitchFamily="18" charset="0"/>
+              </a:rPr>
+              <a:t>Beurotte</a:t>
+            </a:r>
+            <a:r>
+              <a:rPr lang="fr-FR" sz="2400" dirty="0">
+                <a:latin typeface="Times New Roman" panose="02020603050405020304" pitchFamily="18" charset="0"/>
+                <a:cs typeface="Times New Roman" panose="02020603050405020304" pitchFamily="18" charset="0"/>
+              </a:rPr>
+              <a:t> 		identifiant: mama98</a:t>
+            </a:r>
+          </a:p>
+          <a:p>
+            <a:r>
+              <a:rPr lang="fr-FR" sz="2400" dirty="0">
+                <a:latin typeface="Times New Roman" panose="02020603050405020304" pitchFamily="18" charset="0"/>
+                <a:cs typeface="Times New Roman" panose="02020603050405020304" pitchFamily="18" charset="0"/>
+              </a:rPr>
+              <a:t>4 branches 									</a:t>
+            </a:r>
+            <a:r>
+              <a:rPr lang="fr-FR" sz="2400" dirty="0" err="1">
+                <a:latin typeface="Times New Roman" panose="02020603050405020304" pitchFamily="18" charset="0"/>
+                <a:cs typeface="Times New Roman" panose="02020603050405020304" pitchFamily="18" charset="0"/>
+              </a:rPr>
+              <a:t>mdp</a:t>
+            </a:r>
+            <a:r>
+              <a:rPr lang="fr-FR" sz="2400" dirty="0">
+                <a:latin typeface="Times New Roman" panose="02020603050405020304" pitchFamily="18" charset="0"/>
+                <a:cs typeface="Times New Roman" panose="02020603050405020304" pitchFamily="18" charset="0"/>
+              </a:rPr>
+              <a:t>: mamab98</a:t>
+            </a:r>
+          </a:p>
+          <a:p>
+            <a:r>
+              <a:rPr lang="fr-FR" sz="2400" dirty="0">
+                <a:latin typeface="Times New Roman" panose="02020603050405020304" pitchFamily="18" charset="0"/>
+                <a:cs typeface="Times New Roman" panose="02020603050405020304" pitchFamily="18" charset="0"/>
+              </a:rPr>
+              <a:t>Branche Master </a:t>
+            </a:r>
           </a:p>
         </p:txBody>
       </p:sp>
       <p:pic>
         <p:nvPicPr>
-          <p:cNvPr id="7" name="Image 6">
+          <p:cNvPr id="5" name="Image 4">
             <a:extLst>
               <a:ext uri="{FF2B5EF4-FFF2-40B4-BE49-F238E27FC236}">
-                <a16:creationId xmlns:a16="http://schemas.microsoft.com/office/drawing/2014/main" id="{BFFD468B-4D8D-4557-B1BD-FE31DF6280B0}"/>
+                <a16:creationId xmlns:a16="http://schemas.microsoft.com/office/drawing/2014/main" id="{2596D2B6-AC40-4559-9338-45C0D4B97DAD}"/>
               </a:ext>
             </a:extLst>
           </p:cNvPr>
@@ -8496,8 +8604,8 @@
         </p:blipFill>
         <p:spPr>
           <a:xfrm>
-            <a:off x="387056" y="1320800"/>
-            <a:ext cx="11417887" cy="5326743"/>
+            <a:off x="1272997" y="3221095"/>
+            <a:ext cx="9366731" cy="3295819"/>
           </a:xfrm>
           <a:prstGeom prst="rect">
             <a:avLst/>
@@ -8507,7 +8615,7 @@
     </p:spTree>
     <p:extLst>
       <p:ext uri="{BB962C8B-B14F-4D97-AF65-F5344CB8AC3E}">
-        <p14:creationId xmlns:p14="http://schemas.microsoft.com/office/powerpoint/2010/main" val="2242708156"/>
+        <p14:creationId xmlns:p14="http://schemas.microsoft.com/office/powerpoint/2010/main" val="228210138"/>
       </p:ext>
     </p:extLst>
   </p:cSld>
@@ -8539,7 +8647,7 @@
           <p:cNvPr id="2" name="Titre 1">
             <a:extLst>
               <a:ext uri="{FF2B5EF4-FFF2-40B4-BE49-F238E27FC236}">
-                <a16:creationId xmlns:a16="http://schemas.microsoft.com/office/drawing/2014/main" id="{C88FF40F-1184-4379-8364-0ED389A97C6B}"/>
+                <a16:creationId xmlns:a16="http://schemas.microsoft.com/office/drawing/2014/main" id="{90219DAA-EDFB-4994-8F0F-6CDE771FC466}"/>
               </a:ext>
             </a:extLst>
           </p:cNvPr>
@@ -8552,8 +8660,8 @@
         </p:nvSpPr>
         <p:spPr>
           <a:xfrm>
-            <a:off x="875201" y="151285"/>
-            <a:ext cx="9404723" cy="714345"/>
+            <a:off x="1104293" y="62360"/>
+            <a:ext cx="9404723" cy="750440"/>
           </a:xfrm>
         </p:spPr>
         <p:txBody>
@@ -8576,7 +8684,7 @@
           <p:cNvPr id="3" name="Espace réservé du contenu 2">
             <a:extLst>
               <a:ext uri="{FF2B5EF4-FFF2-40B4-BE49-F238E27FC236}">
-                <a16:creationId xmlns:a16="http://schemas.microsoft.com/office/drawing/2014/main" id="{6EAC0904-E6E7-4108-AD8C-932BCA8341FA}"/>
+                <a16:creationId xmlns:a16="http://schemas.microsoft.com/office/drawing/2014/main" id="{7578EA6A-CBD2-49BC-A293-20011E48836D}"/>
               </a:ext>
             </a:extLst>
           </p:cNvPr>
@@ -8589,8 +8697,8 @@
         </p:nvSpPr>
         <p:spPr>
           <a:xfrm>
-            <a:off x="1104291" y="918225"/>
-            <a:ext cx="8946541" cy="4195481"/>
+            <a:off x="1104293" y="812800"/>
+            <a:ext cx="8946541" cy="4616879"/>
           </a:xfrm>
         </p:spPr>
         <p:txBody>
@@ -8599,17 +8707,20 @@
           <a:p>
             <a:r>
               <a:rPr lang="fr-FR" dirty="0"/>
-              <a:t>Branche Thomas</a:t>
-            </a:r>
+              <a:t>Branche Marine</a:t>
+            </a:r>
+          </a:p>
+          <a:p>
+            <a:endParaRPr lang="fr-FR" dirty="0"/>
           </a:p>
         </p:txBody>
       </p:sp>
       <p:pic>
         <p:nvPicPr>
-          <p:cNvPr id="5" name="Image 4">
+          <p:cNvPr id="7" name="Image 6">
             <a:extLst>
               <a:ext uri="{FF2B5EF4-FFF2-40B4-BE49-F238E27FC236}">
-                <a16:creationId xmlns:a16="http://schemas.microsoft.com/office/drawing/2014/main" id="{A369ACAB-2D94-43CC-B751-A2F90613496C}"/>
+                <a16:creationId xmlns:a16="http://schemas.microsoft.com/office/drawing/2014/main" id="{BFFD468B-4D8D-4557-B1BD-FE31DF6280B0}"/>
               </a:ext>
             </a:extLst>
           </p:cNvPr>
@@ -8626,8 +8737,8 @@
         </p:blipFill>
         <p:spPr>
           <a:xfrm>
-            <a:off x="386150" y="1462958"/>
-            <a:ext cx="11405186" cy="5112013"/>
+            <a:off x="387056" y="1320800"/>
+            <a:ext cx="11417887" cy="5326743"/>
           </a:xfrm>
           <a:prstGeom prst="rect">
             <a:avLst/>
@@ -8637,7 +8748,7 @@
     </p:spTree>
     <p:extLst>
       <p:ext uri="{BB962C8B-B14F-4D97-AF65-F5344CB8AC3E}">
-        <p14:creationId xmlns:p14="http://schemas.microsoft.com/office/powerpoint/2010/main" val="667776246"/>
+        <p14:creationId xmlns:p14="http://schemas.microsoft.com/office/powerpoint/2010/main" val="2242708156"/>
       </p:ext>
     </p:extLst>
   </p:cSld>
@@ -8669,7 +8780,7 @@
           <p:cNvPr id="2" name="Titre 1">
             <a:extLst>
               <a:ext uri="{FF2B5EF4-FFF2-40B4-BE49-F238E27FC236}">
-                <a16:creationId xmlns:a16="http://schemas.microsoft.com/office/drawing/2014/main" id="{454B148B-AD98-45CC-83E5-C61C6BF55F8B}"/>
+                <a16:creationId xmlns:a16="http://schemas.microsoft.com/office/drawing/2014/main" id="{C88FF40F-1184-4379-8364-0ED389A97C6B}"/>
               </a:ext>
             </a:extLst>
           </p:cNvPr>
@@ -8682,8 +8793,8 @@
         </p:nvSpPr>
         <p:spPr>
           <a:xfrm>
-            <a:off x="645130" y="0"/>
-            <a:ext cx="9404723" cy="678250"/>
+            <a:off x="875201" y="151285"/>
+            <a:ext cx="9404723" cy="714345"/>
           </a:xfrm>
         </p:spPr>
         <p:txBody>
@@ -8706,7 +8817,7 @@
           <p:cNvPr id="3" name="Espace réservé du contenu 2">
             <a:extLst>
               <a:ext uri="{FF2B5EF4-FFF2-40B4-BE49-F238E27FC236}">
-                <a16:creationId xmlns:a16="http://schemas.microsoft.com/office/drawing/2014/main" id="{877F6EFA-372D-4565-851A-E6B3679547E9}"/>
+                <a16:creationId xmlns:a16="http://schemas.microsoft.com/office/drawing/2014/main" id="{6EAC0904-E6E7-4108-AD8C-932BCA8341FA}"/>
               </a:ext>
             </a:extLst>
           </p:cNvPr>
@@ -8719,7 +8830,7 @@
         </p:nvSpPr>
         <p:spPr>
           <a:xfrm>
-            <a:off x="1103313" y="678250"/>
+            <a:off x="1104291" y="918225"/>
             <a:ext cx="8946541" cy="4195481"/>
           </a:xfrm>
         </p:spPr>
@@ -8729,7 +8840,7 @@
           <a:p>
             <a:r>
               <a:rPr lang="fr-FR" dirty="0"/>
-              <a:t>Branche Alexis </a:t>
+              <a:t>Branche Thomas</a:t>
             </a:r>
           </a:p>
         </p:txBody>
@@ -8739,7 +8850,7 @@
           <p:cNvPr id="5" name="Image 4">
             <a:extLst>
               <a:ext uri="{FF2B5EF4-FFF2-40B4-BE49-F238E27FC236}">
-                <a16:creationId xmlns:a16="http://schemas.microsoft.com/office/drawing/2014/main" id="{7AD30393-908C-40F4-8DA9-97FBAF128790}"/>
+                <a16:creationId xmlns:a16="http://schemas.microsoft.com/office/drawing/2014/main" id="{A369ACAB-2D94-43CC-B751-A2F90613496C}"/>
               </a:ext>
             </a:extLst>
           </p:cNvPr>
@@ -8756,8 +8867,8 @@
         </p:blipFill>
         <p:spPr>
           <a:xfrm>
-            <a:off x="1103313" y="1117600"/>
-            <a:ext cx="8720522" cy="5508171"/>
+            <a:off x="386150" y="1462958"/>
+            <a:ext cx="11405186" cy="5112013"/>
           </a:xfrm>
           <a:prstGeom prst="rect">
             <a:avLst/>
@@ -8767,7 +8878,7 @@
     </p:spTree>
     <p:extLst>
       <p:ext uri="{BB962C8B-B14F-4D97-AF65-F5344CB8AC3E}">
-        <p14:creationId xmlns:p14="http://schemas.microsoft.com/office/powerpoint/2010/main" val="4067053808"/>
+        <p14:creationId xmlns:p14="http://schemas.microsoft.com/office/powerpoint/2010/main" val="667776246"/>
       </p:ext>
     </p:extLst>
   </p:cSld>
